--- a/Aula 2 - Expressões Regulares.pptx
+++ b/Aula 2 - Expressões Regulares.pptx
@@ -5,7 +5,7 @@
     <p:sldMasterId id="2147483648" r:id="rId1"/>
   </p:sldMasterIdLst>
   <p:notesMasterIdLst>
-    <p:notesMasterId r:id="rId11"/>
+    <p:notesMasterId r:id="rId10"/>
   </p:notesMasterIdLst>
   <p:sldIdLst>
     <p:sldId id="256" r:id="rId2"/>
@@ -15,8 +15,7 @@
     <p:sldId id="260" r:id="rId6"/>
     <p:sldId id="261" r:id="rId7"/>
     <p:sldId id="262" r:id="rId8"/>
-    <p:sldId id="263" r:id="rId9"/>
-    <p:sldId id="264" r:id="rId10"/>
+    <p:sldId id="264" r:id="rId9"/>
   </p:sldIdLst>
   <p:sldSz cx="9144000" cy="5143500" type="screen16x9"/>
   <p:notesSz cx="5143500" cy="9144000"/>
@@ -899,90 +898,6 @@
             <a:fld id="{F7021451-1387-4CA6-816F-3879F97B5CBC}" type="slidenum">
               <a:rPr lang="en-US"/>
               <a:t>8</a:t>
-            </a:fld>
-            <a:endParaRPr lang="en-US"/>
-          </a:p>
-        </p:txBody>
-      </p:sp>
-    </p:spTree>
-    <p:extLst>
-      <p:ext uri="{BB962C8B-B14F-4D97-AF65-F5344CB8AC3E}">
-        <p14:creationId xmlns:p14="http://schemas.microsoft.com/office/powerpoint/2010/main" val="1024086991"/>
-      </p:ext>
-    </p:extLst>
-  </p:cSld>
-  <p:clrMapOvr>
-    <a:masterClrMapping/>
-  </p:clrMapOvr>
-</p:notes>
-</file>
-
-<file path=ppt/notesSlides/notesSlide9.xml><?xml version="1.0" encoding="utf-8"?>
-<p:notes xmlns:a="http://schemas.openxmlformats.org/drawingml/2006/main" xmlns:r="http://schemas.openxmlformats.org/officeDocument/2006/relationships" xmlns:p="http://schemas.openxmlformats.org/presentationml/2006/main">
-  <p:cSld>
-    <p:spTree>
-      <p:nvGrpSpPr>
-        <p:cNvPr id="1" name=""/>
-        <p:cNvGrpSpPr/>
-        <p:nvPr/>
-      </p:nvGrpSpPr>
-      <p:grpSpPr>
-        <a:xfrm>
-          <a:off x="0" y="0"/>
-          <a:ext cx="0" cy="0"/>
-          <a:chOff x="0" y="0"/>
-          <a:chExt cx="0" cy="0"/>
-        </a:xfrm>
-      </p:grpSpPr>
-      <p:sp>
-        <p:nvSpPr>
-          <p:cNvPr id="2" name="Slide Image Placeholder 1"/>
-          <p:cNvSpPr>
-            <a:spLocks noGrp="1" noRot="1" noChangeAspect="1"/>
-          </p:cNvSpPr>
-          <p:nvPr>
-            <p:ph type="sldImg"/>
-          </p:nvPr>
-        </p:nvSpPr>
-        <p:spPr/>
-      </p:sp>
-      <p:sp>
-        <p:nvSpPr>
-          <p:cNvPr id="3" name="Notes Placeholder 2"/>
-          <p:cNvSpPr>
-            <a:spLocks noGrp="1"/>
-          </p:cNvSpPr>
-          <p:nvPr>
-            <p:ph type="body" idx="1"/>
-          </p:nvPr>
-        </p:nvSpPr>
-        <p:spPr/>
-        <p:txBody>
-          <a:bodyPr/>
-          <a:lstStyle/>
-          <a:p>
-            <a:endParaRPr lang="en-US" dirty="0"/>
-          </a:p>
-        </p:txBody>
-      </p:sp>
-      <p:sp>
-        <p:nvSpPr>
-          <p:cNvPr id="4" name="Slide Number Placeholder 3"/>
-          <p:cNvSpPr>
-            <a:spLocks noGrp="1"/>
-          </p:cNvSpPr>
-          <p:nvPr>
-            <p:ph type="sldNum" sz="quarter" idx="10"/>
-          </p:nvPr>
-        </p:nvSpPr>
-        <p:spPr/>
-        <p:txBody>
-          <a:bodyPr/>
-          <a:lstStyle/>
-          <a:p>
-            <a:fld id="{F7021451-1387-4CA6-816F-3879F97B5CBC}" type="slidenum">
-              <a:rPr lang="en-US"/>
-              <a:t>9</a:t>
             </a:fld>
             <a:endParaRPr lang="en-US"/>
           </a:p>
@@ -9708,1072 +9623,6 @@
 </file>
 
 <file path=ppt/slides/slide8.xml><?xml version="1.0" encoding="utf-8"?>
-<p:sld xmlns:a="http://schemas.openxmlformats.org/drawingml/2006/main" xmlns:r="http://schemas.openxmlformats.org/officeDocument/2006/relationships" xmlns:p="http://schemas.openxmlformats.org/presentationml/2006/main">
-  <p:cSld name="Slide 8">
-    <p:bg>
-      <p:bgPr>
-        <a:solidFill>
-          <a:srgbClr val="F0F5FA"/>
-        </a:solidFill>
-        <a:effectLst/>
-      </p:bgPr>
-    </p:bg>
-    <p:spTree>
-      <p:nvGrpSpPr>
-        <p:cNvPr id="1" name=""/>
-        <p:cNvGrpSpPr/>
-        <p:nvPr/>
-      </p:nvGrpSpPr>
-      <p:grpSpPr>
-        <a:xfrm>
-          <a:off x="0" y="0"/>
-          <a:ext cx="0" cy="0"/>
-          <a:chOff x="0" y="0"/>
-          <a:chExt cx="0" cy="0"/>
-        </a:xfrm>
-      </p:grpSpPr>
-      <p:sp>
-        <p:nvSpPr>
-          <p:cNvPr id="2" name="Shape 0"/>
-          <p:cNvSpPr/>
-          <p:nvPr/>
-        </p:nvSpPr>
-        <p:spPr>
-          <a:xfrm>
-            <a:off x="0" y="0"/>
-            <a:ext cx="9144000" cy="914400"/>
-          </a:xfrm>
-          <a:prstGeom prst="rect">
-            <a:avLst/>
-          </a:prstGeom>
-          <a:solidFill>
-            <a:srgbClr val="0D7A8A"/>
-          </a:solidFill>
-          <a:ln w="12700">
-            <a:solidFill>
-              <a:srgbClr val="0D7A8A"/>
-            </a:solidFill>
-            <a:prstDash val="solid"/>
-          </a:ln>
-        </p:spPr>
-        <p:txBody>
-          <a:bodyPr/>
-          <a:lstStyle/>
-          <a:p>
-            <a:endParaRPr lang="pt-BR" noProof="0" dirty="0"/>
-          </a:p>
-        </p:txBody>
-      </p:sp>
-      <p:sp>
-        <p:nvSpPr>
-          <p:cNvPr id="3" name="Text 1"/>
-          <p:cNvSpPr/>
-          <p:nvPr/>
-        </p:nvSpPr>
-        <p:spPr>
-          <a:xfrm>
-            <a:off x="457200" y="164592"/>
-            <a:ext cx="8229600" cy="594360"/>
-          </a:xfrm>
-          <a:prstGeom prst="rect">
-            <a:avLst/>
-          </a:prstGeom>
-          <a:noFill/>
-          <a:ln/>
-        </p:spPr>
-        <p:txBody>
-          <a:bodyPr wrap="square" lIns="0" tIns="0" rIns="0" bIns="0" rtlCol="0" anchor="ctr"/>
-          <a:lstStyle/>
-          <a:p>
-            <a:pPr marL="0" indent="0">
-              <a:buNone/>
-            </a:pPr>
-            <a:r>
-              <a:rPr lang="pt-BR" sz="2600" b="1" noProof="0" dirty="0">
-                <a:solidFill>
-                  <a:srgbClr val="FFFFFF"/>
-                </a:solidFill>
-                <a:latin typeface="Calibri" pitchFamily="34" charset="0"/>
-                <a:ea typeface="Calibri" pitchFamily="34" charset="-122"/>
-                <a:cs typeface="Calibri" pitchFamily="34" charset="-120"/>
-              </a:rPr>
-              <a:t>Gabarito — Exercícios Selecionados</a:t>
-            </a:r>
-            <a:endParaRPr lang="pt-BR" sz="2600" noProof="0" dirty="0"/>
-          </a:p>
-        </p:txBody>
-      </p:sp>
-      <p:sp>
-        <p:nvSpPr>
-          <p:cNvPr id="4" name="Shape 2"/>
-          <p:cNvSpPr/>
-          <p:nvPr/>
-        </p:nvSpPr>
-        <p:spPr>
-          <a:xfrm>
-            <a:off x="365760" y="1024128"/>
-            <a:ext cx="4023360" cy="822960"/>
-          </a:xfrm>
-          <a:prstGeom prst="rect">
-            <a:avLst/>
-          </a:prstGeom>
-          <a:solidFill>
-            <a:srgbClr val="FFFFFF"/>
-          </a:solidFill>
-          <a:ln w="12700">
-            <a:solidFill>
-              <a:srgbClr val="FFFFFF"/>
-            </a:solidFill>
-            <a:prstDash val="solid"/>
-          </a:ln>
-          <a:effectLst>
-            <a:outerShdw blurRad="101600" dist="38100" dir="8100000" algn="bl" rotWithShape="0">
-              <a:srgbClr val="000000">
-                <a:alpha val="12000"/>
-              </a:srgbClr>
-            </a:outerShdw>
-          </a:effectLst>
-        </p:spPr>
-        <p:txBody>
-          <a:bodyPr/>
-          <a:lstStyle/>
-          <a:p>
-            <a:endParaRPr lang="pt-BR" noProof="0" dirty="0"/>
-          </a:p>
-        </p:txBody>
-      </p:sp>
-      <p:sp>
-        <p:nvSpPr>
-          <p:cNvPr id="5" name="Text 3"/>
-          <p:cNvSpPr/>
-          <p:nvPr/>
-        </p:nvSpPr>
-        <p:spPr>
-          <a:xfrm>
-            <a:off x="475488" y="1078992"/>
-            <a:ext cx="3840480" cy="274320"/>
-          </a:xfrm>
-          <a:prstGeom prst="rect">
-            <a:avLst/>
-          </a:prstGeom>
-          <a:noFill/>
-          <a:ln/>
-        </p:spPr>
-        <p:txBody>
-          <a:bodyPr wrap="square" lIns="0" tIns="0" rIns="0" bIns="0" rtlCol="0" anchor="ctr"/>
-          <a:lstStyle/>
-          <a:p>
-            <a:pPr marL="0" indent="0">
-              <a:buNone/>
-            </a:pPr>
-            <a:r>
-              <a:rPr lang="pt-BR" sz="1200" noProof="0" dirty="0">
-                <a:solidFill>
-                  <a:srgbClr val="4A6275"/>
-                </a:solidFill>
-                <a:latin typeface="Calibri" pitchFamily="34" charset="0"/>
-                <a:ea typeface="Calibri" pitchFamily="34" charset="-122"/>
-                <a:cs typeface="Calibri" pitchFamily="34" charset="-120"/>
-              </a:rPr>
-              <a:t>ER para todas as </a:t>
-            </a:r>
-            <a:r>
-              <a:rPr lang="pt-BR" sz="1200" noProof="0" dirty="0" err="1">
-                <a:solidFill>
-                  <a:srgbClr val="4A6275"/>
-                </a:solidFill>
-                <a:latin typeface="Calibri" pitchFamily="34" charset="0"/>
-                <a:ea typeface="Calibri" pitchFamily="34" charset="-122"/>
-                <a:cs typeface="Calibri" pitchFamily="34" charset="-120"/>
-              </a:rPr>
-              <a:t>strings</a:t>
-            </a:r>
-            <a:r>
-              <a:rPr lang="pt-BR" sz="1200" noProof="0" dirty="0">
-                <a:solidFill>
-                  <a:srgbClr val="4A6275"/>
-                </a:solidFill>
-                <a:latin typeface="Calibri" pitchFamily="34" charset="0"/>
-                <a:ea typeface="Calibri" pitchFamily="34" charset="-122"/>
-                <a:cs typeface="Calibri" pitchFamily="34" charset="-120"/>
-              </a:rPr>
-              <a:t> binarias</a:t>
-            </a:r>
-            <a:endParaRPr lang="pt-BR" sz="1200" noProof="0" dirty="0"/>
-          </a:p>
-        </p:txBody>
-      </p:sp>
-      <p:sp>
-        <p:nvSpPr>
-          <p:cNvPr id="6" name="Text 4"/>
-          <p:cNvSpPr/>
-          <p:nvPr/>
-        </p:nvSpPr>
-        <p:spPr>
-          <a:xfrm>
-            <a:off x="475488" y="1408176"/>
-            <a:ext cx="3840480" cy="347472"/>
-          </a:xfrm>
-          <a:prstGeom prst="rect">
-            <a:avLst/>
-          </a:prstGeom>
-          <a:noFill/>
-          <a:ln/>
-        </p:spPr>
-        <p:txBody>
-          <a:bodyPr wrap="square" lIns="0" tIns="0" rIns="0" bIns="0" rtlCol="0" anchor="ctr"/>
-          <a:lstStyle/>
-          <a:p>
-            <a:pPr marL="0" indent="0">
-              <a:buNone/>
-            </a:pPr>
-            <a:r>
-              <a:rPr lang="pt-BR" sz="1600" b="1" noProof="0" dirty="0">
-                <a:solidFill>
-                  <a:srgbClr val="0D7A8A"/>
-                </a:solidFill>
-                <a:latin typeface="Consolas" pitchFamily="34" charset="0"/>
-                <a:ea typeface="Consolas" pitchFamily="34" charset="-122"/>
-                <a:cs typeface="Consolas" pitchFamily="34" charset="-120"/>
-              </a:rPr>
-              <a:t>ER: (0|1)*</a:t>
-            </a:r>
-            <a:endParaRPr lang="pt-BR" sz="1600" noProof="0" dirty="0"/>
-          </a:p>
-        </p:txBody>
-      </p:sp>
-      <p:sp>
-        <p:nvSpPr>
-          <p:cNvPr id="7" name="Shape 5"/>
-          <p:cNvSpPr/>
-          <p:nvPr/>
-        </p:nvSpPr>
-        <p:spPr>
-          <a:xfrm>
-            <a:off x="365760" y="1984248"/>
-            <a:ext cx="4023360" cy="822960"/>
-          </a:xfrm>
-          <a:prstGeom prst="rect">
-            <a:avLst/>
-          </a:prstGeom>
-          <a:solidFill>
-            <a:srgbClr val="FFFFFF"/>
-          </a:solidFill>
-          <a:ln w="12700">
-            <a:solidFill>
-              <a:srgbClr val="FFFFFF"/>
-            </a:solidFill>
-            <a:prstDash val="solid"/>
-          </a:ln>
-          <a:effectLst>
-            <a:outerShdw blurRad="101600" dist="38100" dir="8100000" algn="bl" rotWithShape="0">
-              <a:srgbClr val="000000">
-                <a:alpha val="12000"/>
-              </a:srgbClr>
-            </a:outerShdw>
-          </a:effectLst>
-        </p:spPr>
-        <p:txBody>
-          <a:bodyPr/>
-          <a:lstStyle/>
-          <a:p>
-            <a:endParaRPr lang="pt-BR" noProof="0" dirty="0"/>
-          </a:p>
-        </p:txBody>
-      </p:sp>
-      <p:sp>
-        <p:nvSpPr>
-          <p:cNvPr id="8" name="Text 6"/>
-          <p:cNvSpPr/>
-          <p:nvPr/>
-        </p:nvSpPr>
-        <p:spPr>
-          <a:xfrm>
-            <a:off x="475488" y="2039112"/>
-            <a:ext cx="3840480" cy="274320"/>
-          </a:xfrm>
-          <a:prstGeom prst="rect">
-            <a:avLst/>
-          </a:prstGeom>
-          <a:noFill/>
-          <a:ln/>
-        </p:spPr>
-        <p:txBody>
-          <a:bodyPr wrap="square" lIns="0" tIns="0" rIns="0" bIns="0" rtlCol="0" anchor="ctr"/>
-          <a:lstStyle/>
-          <a:p>
-            <a:pPr marL="0" indent="0">
-              <a:buNone/>
-            </a:pPr>
-            <a:r>
-              <a:rPr lang="pt-BR" sz="1200" noProof="0" dirty="0">
-                <a:solidFill>
-                  <a:srgbClr val="4A6275"/>
-                </a:solidFill>
-                <a:latin typeface="Calibri" pitchFamily="34" charset="0"/>
-                <a:ea typeface="Calibri" pitchFamily="34" charset="-122"/>
-                <a:cs typeface="Calibri" pitchFamily="34" charset="-120"/>
-              </a:rPr>
-              <a:t>ER para termina com 0</a:t>
-            </a:r>
-            <a:endParaRPr lang="pt-BR" sz="1200" noProof="0" dirty="0"/>
-          </a:p>
-        </p:txBody>
-      </p:sp>
-      <p:sp>
-        <p:nvSpPr>
-          <p:cNvPr id="9" name="Text 7"/>
-          <p:cNvSpPr/>
-          <p:nvPr/>
-        </p:nvSpPr>
-        <p:spPr>
-          <a:xfrm>
-            <a:off x="475488" y="2368296"/>
-            <a:ext cx="3840480" cy="347472"/>
-          </a:xfrm>
-          <a:prstGeom prst="rect">
-            <a:avLst/>
-          </a:prstGeom>
-          <a:noFill/>
-          <a:ln/>
-        </p:spPr>
-        <p:txBody>
-          <a:bodyPr wrap="square" lIns="0" tIns="0" rIns="0" bIns="0" rtlCol="0" anchor="ctr"/>
-          <a:lstStyle/>
-          <a:p>
-            <a:pPr marL="0" indent="0">
-              <a:buNone/>
-            </a:pPr>
-            <a:r>
-              <a:rPr lang="pt-BR" sz="1600" b="1" noProof="0" dirty="0">
-                <a:solidFill>
-                  <a:srgbClr val="0D7A8A"/>
-                </a:solidFill>
-                <a:latin typeface="Consolas" pitchFamily="34" charset="0"/>
-                <a:ea typeface="Consolas" pitchFamily="34" charset="-122"/>
-                <a:cs typeface="Consolas" pitchFamily="34" charset="-120"/>
-              </a:rPr>
-              <a:t>ER: (0|1)*0</a:t>
-            </a:r>
-            <a:endParaRPr lang="pt-BR" sz="1600" noProof="0" dirty="0"/>
-          </a:p>
-        </p:txBody>
-      </p:sp>
-      <p:sp>
-        <p:nvSpPr>
-          <p:cNvPr id="10" name="Shape 8"/>
-          <p:cNvSpPr/>
-          <p:nvPr/>
-        </p:nvSpPr>
-        <p:spPr>
-          <a:xfrm>
-            <a:off x="365760" y="2944368"/>
-            <a:ext cx="4023360" cy="822960"/>
-          </a:xfrm>
-          <a:prstGeom prst="rect">
-            <a:avLst/>
-          </a:prstGeom>
-          <a:solidFill>
-            <a:srgbClr val="FFFFFF"/>
-          </a:solidFill>
-          <a:ln w="12700">
-            <a:solidFill>
-              <a:srgbClr val="FFFFFF"/>
-            </a:solidFill>
-            <a:prstDash val="solid"/>
-          </a:ln>
-          <a:effectLst>
-            <a:outerShdw blurRad="101600" dist="38100" dir="8100000" algn="bl" rotWithShape="0">
-              <a:srgbClr val="000000">
-                <a:alpha val="12000"/>
-              </a:srgbClr>
-            </a:outerShdw>
-          </a:effectLst>
-        </p:spPr>
-        <p:txBody>
-          <a:bodyPr/>
-          <a:lstStyle/>
-          <a:p>
-            <a:endParaRPr lang="pt-BR" noProof="0" dirty="0"/>
-          </a:p>
-        </p:txBody>
-      </p:sp>
-      <p:sp>
-        <p:nvSpPr>
-          <p:cNvPr id="11" name="Text 9"/>
-          <p:cNvSpPr/>
-          <p:nvPr/>
-        </p:nvSpPr>
-        <p:spPr>
-          <a:xfrm>
-            <a:off x="475488" y="2999232"/>
-            <a:ext cx="3840480" cy="274320"/>
-          </a:xfrm>
-          <a:prstGeom prst="rect">
-            <a:avLst/>
-          </a:prstGeom>
-          <a:noFill/>
-          <a:ln/>
-        </p:spPr>
-        <p:txBody>
-          <a:bodyPr wrap="square" lIns="0" tIns="0" rIns="0" bIns="0" rtlCol="0" anchor="ctr"/>
-          <a:lstStyle/>
-          <a:p>
-            <a:pPr marL="0" indent="0">
-              <a:buNone/>
-            </a:pPr>
-            <a:r>
-              <a:rPr lang="pt-BR" sz="1200" noProof="0" dirty="0">
-                <a:solidFill>
-                  <a:srgbClr val="4A6275"/>
-                </a:solidFill>
-                <a:latin typeface="Calibri" pitchFamily="34" charset="0"/>
-                <a:ea typeface="Calibri" pitchFamily="34" charset="-122"/>
-                <a:cs typeface="Calibri" pitchFamily="34" charset="-120"/>
-              </a:rPr>
-              <a:t>ER para começa com 1</a:t>
-            </a:r>
-            <a:endParaRPr lang="pt-BR" sz="1200" noProof="0" dirty="0"/>
-          </a:p>
-        </p:txBody>
-      </p:sp>
-      <p:sp>
-        <p:nvSpPr>
-          <p:cNvPr id="12" name="Text 10"/>
-          <p:cNvSpPr/>
-          <p:nvPr/>
-        </p:nvSpPr>
-        <p:spPr>
-          <a:xfrm>
-            <a:off x="475488" y="3328416"/>
-            <a:ext cx="3840480" cy="347472"/>
-          </a:xfrm>
-          <a:prstGeom prst="rect">
-            <a:avLst/>
-          </a:prstGeom>
-          <a:noFill/>
-          <a:ln/>
-        </p:spPr>
-        <p:txBody>
-          <a:bodyPr wrap="square" lIns="0" tIns="0" rIns="0" bIns="0" rtlCol="0" anchor="ctr"/>
-          <a:lstStyle/>
-          <a:p>
-            <a:pPr marL="0" indent="0">
-              <a:buNone/>
-            </a:pPr>
-            <a:r>
-              <a:rPr lang="pt-BR" sz="1600" b="1" noProof="0" dirty="0">
-                <a:solidFill>
-                  <a:srgbClr val="0D7A8A"/>
-                </a:solidFill>
-                <a:latin typeface="Consolas" pitchFamily="34" charset="0"/>
-                <a:ea typeface="Consolas" pitchFamily="34" charset="-122"/>
-                <a:cs typeface="Consolas" pitchFamily="34" charset="-120"/>
-              </a:rPr>
-              <a:t>ER: 1(0|1)*</a:t>
-            </a:r>
-            <a:endParaRPr lang="pt-BR" sz="1600" noProof="0" dirty="0"/>
-          </a:p>
-        </p:txBody>
-      </p:sp>
-      <p:sp>
-        <p:nvSpPr>
-          <p:cNvPr id="13" name="Shape 11"/>
-          <p:cNvSpPr/>
-          <p:nvPr/>
-        </p:nvSpPr>
-        <p:spPr>
-          <a:xfrm>
-            <a:off x="365760" y="3904488"/>
-            <a:ext cx="4023360" cy="822960"/>
-          </a:xfrm>
-          <a:prstGeom prst="rect">
-            <a:avLst/>
-          </a:prstGeom>
-          <a:solidFill>
-            <a:srgbClr val="FFFFFF"/>
-          </a:solidFill>
-          <a:ln w="12700">
-            <a:solidFill>
-              <a:srgbClr val="FFFFFF"/>
-            </a:solidFill>
-            <a:prstDash val="solid"/>
-          </a:ln>
-          <a:effectLst>
-            <a:outerShdw blurRad="101600" dist="38100" dir="8100000" algn="bl" rotWithShape="0">
-              <a:srgbClr val="000000">
-                <a:alpha val="12000"/>
-              </a:srgbClr>
-            </a:outerShdw>
-          </a:effectLst>
-        </p:spPr>
-        <p:txBody>
-          <a:bodyPr/>
-          <a:lstStyle/>
-          <a:p>
-            <a:endParaRPr lang="pt-BR" noProof="0" dirty="0"/>
-          </a:p>
-        </p:txBody>
-      </p:sp>
-      <p:sp>
-        <p:nvSpPr>
-          <p:cNvPr id="14" name="Text 12"/>
-          <p:cNvSpPr/>
-          <p:nvPr/>
-        </p:nvSpPr>
-        <p:spPr>
-          <a:xfrm>
-            <a:off x="475488" y="3959352"/>
-            <a:ext cx="3840480" cy="274320"/>
-          </a:xfrm>
-          <a:prstGeom prst="rect">
-            <a:avLst/>
-          </a:prstGeom>
-          <a:noFill/>
-          <a:ln/>
-        </p:spPr>
-        <p:txBody>
-          <a:bodyPr wrap="square" lIns="0" tIns="0" rIns="0" bIns="0" rtlCol="0" anchor="ctr"/>
-          <a:lstStyle/>
-          <a:p>
-            <a:pPr marL="0" indent="0">
-              <a:buNone/>
-            </a:pPr>
-            <a:r>
-              <a:rPr lang="pt-BR" sz="1200" noProof="0" dirty="0">
-                <a:solidFill>
-                  <a:srgbClr val="4A6275"/>
-                </a:solidFill>
-                <a:latin typeface="Calibri" pitchFamily="34" charset="0"/>
-                <a:ea typeface="Calibri" pitchFamily="34" charset="-122"/>
-                <a:cs typeface="Calibri" pitchFamily="34" charset="-120"/>
-              </a:rPr>
-              <a:t>ER para contem 11</a:t>
-            </a:r>
-            <a:endParaRPr lang="pt-BR" sz="1200" noProof="0" dirty="0"/>
-          </a:p>
-        </p:txBody>
-      </p:sp>
-      <p:sp>
-        <p:nvSpPr>
-          <p:cNvPr id="15" name="Text 13"/>
-          <p:cNvSpPr/>
-          <p:nvPr/>
-        </p:nvSpPr>
-        <p:spPr>
-          <a:xfrm>
-            <a:off x="475488" y="4288536"/>
-            <a:ext cx="3840480" cy="347472"/>
-          </a:xfrm>
-          <a:prstGeom prst="rect">
-            <a:avLst/>
-          </a:prstGeom>
-          <a:noFill/>
-          <a:ln/>
-        </p:spPr>
-        <p:txBody>
-          <a:bodyPr wrap="square" lIns="0" tIns="0" rIns="0" bIns="0" rtlCol="0" anchor="ctr"/>
-          <a:lstStyle/>
-          <a:p>
-            <a:pPr marL="0" indent="0">
-              <a:buNone/>
-            </a:pPr>
-            <a:r>
-              <a:rPr lang="pt-BR" sz="1600" b="1" noProof="0" dirty="0">
-                <a:solidFill>
-                  <a:srgbClr val="0D7A8A"/>
-                </a:solidFill>
-                <a:latin typeface="Consolas" pitchFamily="34" charset="0"/>
-                <a:ea typeface="Consolas" pitchFamily="34" charset="-122"/>
-                <a:cs typeface="Consolas" pitchFamily="34" charset="-120"/>
-              </a:rPr>
-              <a:t>ER: (0|1)*11(0|1)*</a:t>
-            </a:r>
-            <a:endParaRPr lang="pt-BR" sz="1600" noProof="0" dirty="0"/>
-          </a:p>
-        </p:txBody>
-      </p:sp>
-      <p:sp>
-        <p:nvSpPr>
-          <p:cNvPr id="16" name="Shape 14"/>
-          <p:cNvSpPr/>
-          <p:nvPr/>
-        </p:nvSpPr>
-        <p:spPr>
-          <a:xfrm>
-            <a:off x="4754880" y="1024128"/>
-            <a:ext cx="4023360" cy="822960"/>
-          </a:xfrm>
-          <a:prstGeom prst="rect">
-            <a:avLst/>
-          </a:prstGeom>
-          <a:solidFill>
-            <a:srgbClr val="FFFFFF"/>
-          </a:solidFill>
-          <a:ln w="12700">
-            <a:solidFill>
-              <a:srgbClr val="FFFFFF"/>
-            </a:solidFill>
-            <a:prstDash val="solid"/>
-          </a:ln>
-          <a:effectLst>
-            <a:outerShdw blurRad="101600" dist="38100" dir="8100000" algn="bl" rotWithShape="0">
-              <a:srgbClr val="000000">
-                <a:alpha val="12000"/>
-              </a:srgbClr>
-            </a:outerShdw>
-          </a:effectLst>
-        </p:spPr>
-        <p:txBody>
-          <a:bodyPr/>
-          <a:lstStyle/>
-          <a:p>
-            <a:endParaRPr lang="pt-BR" noProof="0" dirty="0"/>
-          </a:p>
-        </p:txBody>
-      </p:sp>
-      <p:sp>
-        <p:nvSpPr>
-          <p:cNvPr id="17" name="Text 15"/>
-          <p:cNvSpPr/>
-          <p:nvPr/>
-        </p:nvSpPr>
-        <p:spPr>
-          <a:xfrm>
-            <a:off x="4864608" y="1078992"/>
-            <a:ext cx="3840480" cy="274320"/>
-          </a:xfrm>
-          <a:prstGeom prst="rect">
-            <a:avLst/>
-          </a:prstGeom>
-          <a:noFill/>
-          <a:ln/>
-        </p:spPr>
-        <p:txBody>
-          <a:bodyPr wrap="square" lIns="0" tIns="0" rIns="0" bIns="0" rtlCol="0" anchor="ctr"/>
-          <a:lstStyle/>
-          <a:p>
-            <a:pPr marL="0" indent="0">
-              <a:buNone/>
-            </a:pPr>
-            <a:r>
-              <a:rPr lang="pt-BR" sz="1200" noProof="0" dirty="0">
-                <a:solidFill>
-                  <a:srgbClr val="4A6275"/>
-                </a:solidFill>
-                <a:latin typeface="Calibri" pitchFamily="34" charset="0"/>
-                <a:ea typeface="Calibri" pitchFamily="34" charset="-122"/>
-                <a:cs typeface="Calibri" pitchFamily="34" charset="-120"/>
-              </a:rPr>
-              <a:t>ER para tem exatamente um 1  (Sigma={0,1})</a:t>
-            </a:r>
-            <a:endParaRPr lang="pt-BR" sz="1200" noProof="0" dirty="0"/>
-          </a:p>
-        </p:txBody>
-      </p:sp>
-      <p:sp>
-        <p:nvSpPr>
-          <p:cNvPr id="18" name="Text 16"/>
-          <p:cNvSpPr/>
-          <p:nvPr/>
-        </p:nvSpPr>
-        <p:spPr>
-          <a:xfrm>
-            <a:off x="4864608" y="1408176"/>
-            <a:ext cx="3840480" cy="347472"/>
-          </a:xfrm>
-          <a:prstGeom prst="rect">
-            <a:avLst/>
-          </a:prstGeom>
-          <a:noFill/>
-          <a:ln/>
-        </p:spPr>
-        <p:txBody>
-          <a:bodyPr wrap="square" lIns="0" tIns="0" rIns="0" bIns="0" rtlCol="0" anchor="ctr"/>
-          <a:lstStyle/>
-          <a:p>
-            <a:pPr marL="0" indent="0">
-              <a:buNone/>
-            </a:pPr>
-            <a:r>
-              <a:rPr lang="pt-BR" sz="1600" b="1" noProof="0" dirty="0">
-                <a:solidFill>
-                  <a:srgbClr val="0D7A8A"/>
-                </a:solidFill>
-                <a:latin typeface="Consolas" pitchFamily="34" charset="0"/>
-                <a:ea typeface="Consolas" pitchFamily="34" charset="-122"/>
-                <a:cs typeface="Consolas" pitchFamily="34" charset="-120"/>
-              </a:rPr>
-              <a:t>ER: 0*10*</a:t>
-            </a:r>
-            <a:endParaRPr lang="pt-BR" sz="1600" noProof="0" dirty="0"/>
-          </a:p>
-        </p:txBody>
-      </p:sp>
-      <p:sp>
-        <p:nvSpPr>
-          <p:cNvPr id="19" name="Shape 17"/>
-          <p:cNvSpPr/>
-          <p:nvPr/>
-        </p:nvSpPr>
-        <p:spPr>
-          <a:xfrm>
-            <a:off x="4754880" y="1984248"/>
-            <a:ext cx="4023360" cy="822960"/>
-          </a:xfrm>
-          <a:prstGeom prst="rect">
-            <a:avLst/>
-          </a:prstGeom>
-          <a:solidFill>
-            <a:srgbClr val="FFFFFF"/>
-          </a:solidFill>
-          <a:ln w="12700">
-            <a:solidFill>
-              <a:srgbClr val="FFFFFF"/>
-            </a:solidFill>
-            <a:prstDash val="solid"/>
-          </a:ln>
-          <a:effectLst>
-            <a:outerShdw blurRad="101600" dist="38100" dir="8100000" algn="bl" rotWithShape="0">
-              <a:srgbClr val="000000">
-                <a:alpha val="12000"/>
-              </a:srgbClr>
-            </a:outerShdw>
-          </a:effectLst>
-        </p:spPr>
-        <p:txBody>
-          <a:bodyPr/>
-          <a:lstStyle/>
-          <a:p>
-            <a:endParaRPr lang="pt-BR" noProof="0" dirty="0"/>
-          </a:p>
-        </p:txBody>
-      </p:sp>
-      <p:sp>
-        <p:nvSpPr>
-          <p:cNvPr id="20" name="Text 18"/>
-          <p:cNvSpPr/>
-          <p:nvPr/>
-        </p:nvSpPr>
-        <p:spPr>
-          <a:xfrm>
-            <a:off x="4864608" y="2039112"/>
-            <a:ext cx="3840480" cy="274320"/>
-          </a:xfrm>
-          <a:prstGeom prst="rect">
-            <a:avLst/>
-          </a:prstGeom>
-          <a:noFill/>
-          <a:ln/>
-        </p:spPr>
-        <p:txBody>
-          <a:bodyPr wrap="square" lIns="0" tIns="0" rIns="0" bIns="0" rtlCol="0" anchor="ctr"/>
-          <a:lstStyle/>
-          <a:p>
-            <a:pPr marL="0" indent="0">
-              <a:buNone/>
-            </a:pPr>
-            <a:r>
-              <a:rPr lang="pt-BR" sz="1200" noProof="0" dirty="0">
-                <a:solidFill>
-                  <a:srgbClr val="4A6275"/>
-                </a:solidFill>
-                <a:latin typeface="Calibri" pitchFamily="34" charset="0"/>
-                <a:ea typeface="Calibri" pitchFamily="34" charset="-122"/>
-                <a:cs typeface="Calibri" pitchFamily="34" charset="-120"/>
-              </a:rPr>
-              <a:t>ER para </a:t>
-            </a:r>
-            <a:r>
-              <a:rPr lang="pt-BR" sz="1200" noProof="0" dirty="0" err="1">
-                <a:solidFill>
-                  <a:srgbClr val="4A6275"/>
-                </a:solidFill>
-                <a:latin typeface="Calibri" pitchFamily="34" charset="0"/>
-                <a:ea typeface="Calibri" pitchFamily="34" charset="-122"/>
-                <a:cs typeface="Calibri" pitchFamily="34" charset="-120"/>
-              </a:rPr>
-              <a:t>strings</a:t>
-            </a:r>
-            <a:r>
-              <a:rPr lang="pt-BR" sz="1200" noProof="0" dirty="0">
-                <a:solidFill>
-                  <a:srgbClr val="4A6275"/>
-                </a:solidFill>
-                <a:latin typeface="Calibri" pitchFamily="34" charset="0"/>
-                <a:ea typeface="Calibri" pitchFamily="34" charset="-122"/>
-                <a:cs typeface="Calibri" pitchFamily="34" charset="-120"/>
-              </a:rPr>
-              <a:t> só com a  (Sigma={</a:t>
-            </a:r>
-            <a:r>
-              <a:rPr lang="pt-BR" sz="1200" noProof="0" dirty="0" err="1">
-                <a:solidFill>
-                  <a:srgbClr val="4A6275"/>
-                </a:solidFill>
-                <a:latin typeface="Calibri" pitchFamily="34" charset="0"/>
-                <a:ea typeface="Calibri" pitchFamily="34" charset="-122"/>
-                <a:cs typeface="Calibri" pitchFamily="34" charset="-120"/>
-              </a:rPr>
-              <a:t>a,b</a:t>
-            </a:r>
-            <a:r>
-              <a:rPr lang="pt-BR" sz="1200" noProof="0" dirty="0">
-                <a:solidFill>
-                  <a:srgbClr val="4A6275"/>
-                </a:solidFill>
-                <a:latin typeface="Calibri" pitchFamily="34" charset="0"/>
-                <a:ea typeface="Calibri" pitchFamily="34" charset="-122"/>
-                <a:cs typeface="Calibri" pitchFamily="34" charset="-120"/>
-              </a:rPr>
-              <a:t>})</a:t>
-            </a:r>
-            <a:endParaRPr lang="pt-BR" sz="1200" noProof="0" dirty="0"/>
-          </a:p>
-        </p:txBody>
-      </p:sp>
-      <p:sp>
-        <p:nvSpPr>
-          <p:cNvPr id="21" name="Text 19"/>
-          <p:cNvSpPr/>
-          <p:nvPr/>
-        </p:nvSpPr>
-        <p:spPr>
-          <a:xfrm>
-            <a:off x="4864608" y="2368296"/>
-            <a:ext cx="3840480" cy="347472"/>
-          </a:xfrm>
-          <a:prstGeom prst="rect">
-            <a:avLst/>
-          </a:prstGeom>
-          <a:noFill/>
-          <a:ln/>
-        </p:spPr>
-        <p:txBody>
-          <a:bodyPr wrap="square" lIns="0" tIns="0" rIns="0" bIns="0" rtlCol="0" anchor="ctr"/>
-          <a:lstStyle/>
-          <a:p>
-            <a:pPr marL="0" indent="0">
-              <a:buNone/>
-            </a:pPr>
-            <a:r>
-              <a:rPr lang="pt-BR" sz="1600" b="1" noProof="0" dirty="0">
-                <a:solidFill>
-                  <a:srgbClr val="0D7A8A"/>
-                </a:solidFill>
-                <a:latin typeface="Consolas" pitchFamily="34" charset="0"/>
-                <a:ea typeface="Consolas" pitchFamily="34" charset="-122"/>
-                <a:cs typeface="Consolas" pitchFamily="34" charset="-120"/>
-              </a:rPr>
-              <a:t>ER: a*</a:t>
-            </a:r>
-            <a:endParaRPr lang="pt-BR" sz="1600" noProof="0" dirty="0"/>
-          </a:p>
-        </p:txBody>
-      </p:sp>
-      <p:sp>
-        <p:nvSpPr>
-          <p:cNvPr id="22" name="Shape 20"/>
-          <p:cNvSpPr/>
-          <p:nvPr/>
-        </p:nvSpPr>
-        <p:spPr>
-          <a:xfrm>
-            <a:off x="4754880" y="2944368"/>
-            <a:ext cx="4023360" cy="822960"/>
-          </a:xfrm>
-          <a:prstGeom prst="rect">
-            <a:avLst/>
-          </a:prstGeom>
-          <a:solidFill>
-            <a:srgbClr val="FFFFFF"/>
-          </a:solidFill>
-          <a:ln w="12700">
-            <a:solidFill>
-              <a:srgbClr val="FFFFFF"/>
-            </a:solidFill>
-            <a:prstDash val="solid"/>
-          </a:ln>
-          <a:effectLst>
-            <a:outerShdw blurRad="101600" dist="38100" dir="8100000" algn="bl" rotWithShape="0">
-              <a:srgbClr val="000000">
-                <a:alpha val="12000"/>
-              </a:srgbClr>
-            </a:outerShdw>
-          </a:effectLst>
-        </p:spPr>
-        <p:txBody>
-          <a:bodyPr/>
-          <a:lstStyle/>
-          <a:p>
-            <a:endParaRPr lang="pt-BR" noProof="0" dirty="0"/>
-          </a:p>
-        </p:txBody>
-      </p:sp>
-      <p:sp>
-        <p:nvSpPr>
-          <p:cNvPr id="23" name="Text 21"/>
-          <p:cNvSpPr/>
-          <p:nvPr/>
-        </p:nvSpPr>
-        <p:spPr>
-          <a:xfrm>
-            <a:off x="4864608" y="2999232"/>
-            <a:ext cx="3840480" cy="274320"/>
-          </a:xfrm>
-          <a:prstGeom prst="rect">
-            <a:avLst/>
-          </a:prstGeom>
-          <a:noFill/>
-          <a:ln/>
-        </p:spPr>
-        <p:txBody>
-          <a:bodyPr wrap="square" lIns="0" tIns="0" rIns="0" bIns="0" rtlCol="0" anchor="ctr"/>
-          <a:lstStyle/>
-          <a:p>
-            <a:pPr marL="0" indent="0">
-              <a:buNone/>
-            </a:pPr>
-            <a:r>
-              <a:rPr lang="pt-BR" sz="1200" noProof="0" dirty="0">
-                <a:solidFill>
-                  <a:srgbClr val="4A6275"/>
-                </a:solidFill>
-                <a:latin typeface="Calibri" pitchFamily="34" charset="0"/>
-                <a:ea typeface="Calibri" pitchFamily="34" charset="-122"/>
-                <a:cs typeface="Calibri" pitchFamily="34" charset="-120"/>
-              </a:rPr>
-              <a:t>ER para termina em </a:t>
-            </a:r>
-            <a:r>
-              <a:rPr lang="pt-BR" sz="1200" noProof="0" dirty="0" err="1">
-                <a:solidFill>
-                  <a:srgbClr val="4A6275"/>
-                </a:solidFill>
-                <a:latin typeface="Calibri" pitchFamily="34" charset="0"/>
-                <a:ea typeface="Calibri" pitchFamily="34" charset="-122"/>
-                <a:cs typeface="Calibri" pitchFamily="34" charset="-120"/>
-              </a:rPr>
-              <a:t>bb</a:t>
-            </a:r>
-            <a:r>
-              <a:rPr lang="pt-BR" sz="1200" noProof="0" dirty="0">
-                <a:solidFill>
-                  <a:srgbClr val="4A6275"/>
-                </a:solidFill>
-                <a:latin typeface="Calibri" pitchFamily="34" charset="0"/>
-                <a:ea typeface="Calibri" pitchFamily="34" charset="-122"/>
-                <a:cs typeface="Calibri" pitchFamily="34" charset="-120"/>
-              </a:rPr>
-              <a:t>  (Sigma={</a:t>
-            </a:r>
-            <a:r>
-              <a:rPr lang="pt-BR" sz="1200" noProof="0" dirty="0" err="1">
-                <a:solidFill>
-                  <a:srgbClr val="4A6275"/>
-                </a:solidFill>
-                <a:latin typeface="Calibri" pitchFamily="34" charset="0"/>
-                <a:ea typeface="Calibri" pitchFamily="34" charset="-122"/>
-                <a:cs typeface="Calibri" pitchFamily="34" charset="-120"/>
-              </a:rPr>
-              <a:t>a,b</a:t>
-            </a:r>
-            <a:r>
-              <a:rPr lang="pt-BR" sz="1200" noProof="0" dirty="0">
-                <a:solidFill>
-                  <a:srgbClr val="4A6275"/>
-                </a:solidFill>
-                <a:latin typeface="Calibri" pitchFamily="34" charset="0"/>
-                <a:ea typeface="Calibri" pitchFamily="34" charset="-122"/>
-                <a:cs typeface="Calibri" pitchFamily="34" charset="-120"/>
-              </a:rPr>
-              <a:t>})</a:t>
-            </a:r>
-            <a:endParaRPr lang="pt-BR" sz="1200" noProof="0" dirty="0"/>
-          </a:p>
-        </p:txBody>
-      </p:sp>
-      <p:sp>
-        <p:nvSpPr>
-          <p:cNvPr id="24" name="Text 22"/>
-          <p:cNvSpPr/>
-          <p:nvPr/>
-        </p:nvSpPr>
-        <p:spPr>
-          <a:xfrm>
-            <a:off x="4864608" y="3328416"/>
-            <a:ext cx="3840480" cy="347472"/>
-          </a:xfrm>
-          <a:prstGeom prst="rect">
-            <a:avLst/>
-          </a:prstGeom>
-          <a:noFill/>
-          <a:ln/>
-        </p:spPr>
-        <p:txBody>
-          <a:bodyPr wrap="square" lIns="0" tIns="0" rIns="0" bIns="0" rtlCol="0" anchor="ctr"/>
-          <a:lstStyle/>
-          <a:p>
-            <a:pPr marL="0" indent="0">
-              <a:buNone/>
-            </a:pPr>
-            <a:r>
-              <a:rPr lang="pt-BR" sz="1600" b="1" noProof="0" dirty="0">
-                <a:solidFill>
-                  <a:srgbClr val="0D7A8A"/>
-                </a:solidFill>
-                <a:latin typeface="Consolas" pitchFamily="34" charset="0"/>
-                <a:ea typeface="Consolas" pitchFamily="34" charset="-122"/>
-                <a:cs typeface="Consolas" pitchFamily="34" charset="-120"/>
-              </a:rPr>
-              <a:t>ER: (</a:t>
-            </a:r>
-            <a:r>
-              <a:rPr lang="pt-BR" sz="1600" b="1" noProof="0" dirty="0" err="1">
-                <a:solidFill>
-                  <a:srgbClr val="0D7A8A"/>
-                </a:solidFill>
-                <a:latin typeface="Consolas" pitchFamily="34" charset="0"/>
-                <a:ea typeface="Consolas" pitchFamily="34" charset="-122"/>
-                <a:cs typeface="Consolas" pitchFamily="34" charset="-120"/>
-              </a:rPr>
-              <a:t>a|b</a:t>
-            </a:r>
-            <a:r>
-              <a:rPr lang="pt-BR" sz="1600" b="1" noProof="0" dirty="0">
-                <a:solidFill>
-                  <a:srgbClr val="0D7A8A"/>
-                </a:solidFill>
-                <a:latin typeface="Consolas" pitchFamily="34" charset="0"/>
-                <a:ea typeface="Consolas" pitchFamily="34" charset="-122"/>
-                <a:cs typeface="Consolas" pitchFamily="34" charset="-120"/>
-              </a:rPr>
-              <a:t>)*</a:t>
-            </a:r>
-            <a:r>
-              <a:rPr lang="pt-BR" sz="1600" b="1" noProof="0" dirty="0" err="1">
-                <a:solidFill>
-                  <a:srgbClr val="0D7A8A"/>
-                </a:solidFill>
-                <a:latin typeface="Consolas" pitchFamily="34" charset="0"/>
-                <a:ea typeface="Consolas" pitchFamily="34" charset="-122"/>
-                <a:cs typeface="Consolas" pitchFamily="34" charset="-120"/>
-              </a:rPr>
-              <a:t>bb</a:t>
-            </a:r>
-            <a:endParaRPr lang="pt-BR" sz="1600" noProof="0" dirty="0"/>
-          </a:p>
-        </p:txBody>
-      </p:sp>
-    </p:spTree>
-  </p:cSld>
-  <p:clrMapOvr>
-    <a:masterClrMapping/>
-  </p:clrMapOvr>
-</p:sld>
-</file>
-
-<file path=ppt/slides/slide9.xml><?xml version="1.0" encoding="utf-8"?>
 <p:sld xmlns:a="http://schemas.openxmlformats.org/drawingml/2006/main" xmlns:r="http://schemas.openxmlformats.org/officeDocument/2006/relationships" xmlns:p="http://schemas.openxmlformats.org/presentationml/2006/main">
   <p:cSld name="Slide 9">
     <p:bg>
